--- a/1126Report/1126Report.pptx
+++ b/1126Report/1126Report.pptx
@@ -5,14 +5,13 @@
     <p:sldMasterId id="2147483648" r:id="rId1"/>
   </p:sldMasterIdLst>
   <p:handoutMasterIdLst>
-    <p:handoutMasterId r:id="rId7"/>
+    <p:handoutMasterId r:id="rId6"/>
   </p:handoutMasterIdLst>
   <p:sldIdLst>
     <p:sldId id="262" r:id="rId2"/>
     <p:sldId id="324" r:id="rId3"/>
     <p:sldId id="325" r:id="rId4"/>
     <p:sldId id="326" r:id="rId5"/>
-    <p:sldId id="327" r:id="rId6"/>
   </p:sldIdLst>
   <p:sldSz cx="12192000" cy="6858000"/>
   <p:notesSz cx="6858000" cy="9144000"/>
@@ -216,7 +215,7 @@
           <a:p>
             <a:fld id="{265A5232-C53E-4F47-9B1D-10DC02294D1A}" type="datetimeFigureOut">
               <a:rPr lang="en-US" smtClean="0"/>
-              <a:t>11/26/2023</a:t>
+              <a:t>11/27/2023</a:t>
             </a:fld>
             <a:endParaRPr lang="en-US"/>
           </a:p>
@@ -466,7 +465,7 @@
           <a:p>
             <a:fld id="{F0AD61EE-A626-44D1-8BBF-C441989EBD45}" type="datetimeFigureOut">
               <a:rPr lang="ko-KR" altLang="en-US" smtClean="0"/>
-              <a:t>2023-11-26</a:t>
+              <a:t>2023-11-27</a:t>
             </a:fld>
             <a:endParaRPr lang="ko-KR" altLang="en-US"/>
           </a:p>
@@ -664,7 +663,7 @@
           <a:p>
             <a:fld id="{F0AD61EE-A626-44D1-8BBF-C441989EBD45}" type="datetimeFigureOut">
               <a:rPr lang="ko-KR" altLang="en-US" smtClean="0"/>
-              <a:t>2023-11-26</a:t>
+              <a:t>2023-11-27</a:t>
             </a:fld>
             <a:endParaRPr lang="ko-KR" altLang="en-US"/>
           </a:p>
@@ -872,7 +871,7 @@
           <a:p>
             <a:fld id="{F0AD61EE-A626-44D1-8BBF-C441989EBD45}" type="datetimeFigureOut">
               <a:rPr lang="ko-KR" altLang="en-US" smtClean="0"/>
-              <a:t>2023-11-26</a:t>
+              <a:t>2023-11-27</a:t>
             </a:fld>
             <a:endParaRPr lang="ko-KR" altLang="en-US"/>
           </a:p>
@@ -1114,7 +1113,7 @@
           <a:p>
             <a:fld id="{F0AD61EE-A626-44D1-8BBF-C441989EBD45}" type="datetimeFigureOut">
               <a:rPr lang="ko-KR" altLang="en-US" smtClean="0"/>
-              <a:t>2023-11-26</a:t>
+              <a:t>2023-11-27</a:t>
             </a:fld>
             <a:endParaRPr lang="ko-KR" altLang="en-US"/>
           </a:p>
@@ -1430,7 +1429,7 @@
           <a:p>
             <a:fld id="{F0AD61EE-A626-44D1-8BBF-C441989EBD45}" type="datetimeFigureOut">
               <a:rPr lang="ko-KR" altLang="en-US" smtClean="0"/>
-              <a:t>2023-11-26</a:t>
+              <a:t>2023-11-27</a:t>
             </a:fld>
             <a:endParaRPr lang="ko-KR" altLang="en-US"/>
           </a:p>
@@ -1736,7 +1735,7 @@
           <a:p>
             <a:fld id="{F0AD61EE-A626-44D1-8BBF-C441989EBD45}" type="datetimeFigureOut">
               <a:rPr lang="ko-KR" altLang="en-US" smtClean="0"/>
-              <a:t>2023-11-26</a:t>
+              <a:t>2023-11-27</a:t>
             </a:fld>
             <a:endParaRPr lang="ko-KR" altLang="en-US"/>
           </a:p>
@@ -2148,7 +2147,7 @@
           <a:p>
             <a:fld id="{F0AD61EE-A626-44D1-8BBF-C441989EBD45}" type="datetimeFigureOut">
               <a:rPr lang="ko-KR" altLang="en-US" smtClean="0"/>
-              <a:t>2023-11-26</a:t>
+              <a:t>2023-11-27</a:t>
             </a:fld>
             <a:endParaRPr lang="ko-KR" altLang="en-US"/>
           </a:p>
@@ -2289,7 +2288,7 @@
           <a:p>
             <a:fld id="{F0AD61EE-A626-44D1-8BBF-C441989EBD45}" type="datetimeFigureOut">
               <a:rPr lang="ko-KR" altLang="en-US" smtClean="0"/>
-              <a:t>2023-11-26</a:t>
+              <a:t>2023-11-27</a:t>
             </a:fld>
             <a:endParaRPr lang="ko-KR" altLang="en-US"/>
           </a:p>
@@ -2402,7 +2401,7 @@
           <a:p>
             <a:fld id="{F0AD61EE-A626-44D1-8BBF-C441989EBD45}" type="datetimeFigureOut">
               <a:rPr lang="ko-KR" altLang="en-US" smtClean="0"/>
-              <a:t>2023-11-26</a:t>
+              <a:t>2023-11-27</a:t>
             </a:fld>
             <a:endParaRPr lang="ko-KR" altLang="en-US"/>
           </a:p>
@@ -2713,7 +2712,7 @@
           <a:p>
             <a:fld id="{F0AD61EE-A626-44D1-8BBF-C441989EBD45}" type="datetimeFigureOut">
               <a:rPr lang="ko-KR" altLang="en-US" smtClean="0"/>
-              <a:t>2023-11-26</a:t>
+              <a:t>2023-11-27</a:t>
             </a:fld>
             <a:endParaRPr lang="ko-KR" altLang="en-US"/>
           </a:p>
@@ -3001,7 +3000,7 @@
           <a:p>
             <a:fld id="{F0AD61EE-A626-44D1-8BBF-C441989EBD45}" type="datetimeFigureOut">
               <a:rPr lang="ko-KR" altLang="en-US" smtClean="0"/>
-              <a:t>2023-11-26</a:t>
+              <a:t>2023-11-27</a:t>
             </a:fld>
             <a:endParaRPr lang="ko-KR" altLang="en-US"/>
           </a:p>
@@ -3242,7 +3241,7 @@
           <a:p>
             <a:fld id="{F0AD61EE-A626-44D1-8BBF-C441989EBD45}" type="datetimeFigureOut">
               <a:rPr lang="ko-KR" altLang="en-US" smtClean="0"/>
-              <a:t>2023-11-26</a:t>
+              <a:t>2023-11-27</a:t>
             </a:fld>
             <a:endParaRPr lang="ko-KR" altLang="en-US"/>
           </a:p>
@@ -3727,12 +3726,8 @@
             <a:pPr algn="r"/>
             <a:r>
               <a:rPr lang="en-US" altLang="ko-KR" sz="1800" dirty="0"/>
-              <a:t>IPG – RL, IPG – MPC comparison</a:t>
-            </a:r>
-          </a:p>
-          <a:p>
-            <a:pPr algn="r"/>
-            <a:endParaRPr lang="en-US" altLang="ko-KR" sz="1800" dirty="0"/>
+              <a:t>Pretraining</a:t>
+            </a:r>
           </a:p>
         </p:txBody>
       </p:sp>
@@ -4269,86 +4264,6 @@
     <p:extLst>
       <p:ext uri="{BB962C8B-B14F-4D97-AF65-F5344CB8AC3E}">
         <p14:creationId xmlns:p14="http://schemas.microsoft.com/office/powerpoint/2010/main" val="4085207121"/>
-      </p:ext>
-    </p:extLst>
-  </p:cSld>
-  <p:clrMapOvr>
-    <a:masterClrMapping/>
-  </p:clrMapOvr>
-</p:sld>
-</file>
-
-<file path=ppt/slides/slide5.xml><?xml version="1.0" encoding="utf-8"?>
-<p:sld xmlns:a="http://schemas.openxmlformats.org/drawingml/2006/main" xmlns:r="http://schemas.openxmlformats.org/officeDocument/2006/relationships" xmlns:p="http://schemas.openxmlformats.org/presentationml/2006/main">
-  <p:cSld>
-    <p:spTree>
-      <p:nvGrpSpPr>
-        <p:cNvPr id="1" name=""/>
-        <p:cNvGrpSpPr/>
-        <p:nvPr/>
-      </p:nvGrpSpPr>
-      <p:grpSpPr>
-        <a:xfrm>
-          <a:off x="0" y="0"/>
-          <a:ext cx="0" cy="0"/>
-          <a:chOff x="0" y="0"/>
-          <a:chExt cx="0" cy="0"/>
-        </a:xfrm>
-      </p:grpSpPr>
-      <p:sp>
-        <p:nvSpPr>
-          <p:cNvPr id="2" name="제목 1">
-            <a:extLst>
-              <a:ext uri="{FF2B5EF4-FFF2-40B4-BE49-F238E27FC236}">
-                <a16:creationId xmlns:a16="http://schemas.microsoft.com/office/drawing/2014/main" id="{371A01AB-0499-7013-8201-F6DB27158E4C}"/>
-              </a:ext>
-            </a:extLst>
-          </p:cNvPr>
-          <p:cNvSpPr>
-            <a:spLocks noGrp="1"/>
-          </p:cNvSpPr>
-          <p:nvPr>
-            <p:ph type="title"/>
-          </p:nvPr>
-        </p:nvSpPr>
-        <p:spPr/>
-        <p:txBody>
-          <a:bodyPr/>
-          <a:lstStyle/>
-          <a:p>
-            <a:endParaRPr lang="ko-KR" altLang="en-US"/>
-          </a:p>
-        </p:txBody>
-      </p:sp>
-      <p:sp>
-        <p:nvSpPr>
-          <p:cNvPr id="3" name="내용 개체 틀 2">
-            <a:extLst>
-              <a:ext uri="{FF2B5EF4-FFF2-40B4-BE49-F238E27FC236}">
-                <a16:creationId xmlns:a16="http://schemas.microsoft.com/office/drawing/2014/main" id="{620B6477-37D5-89C1-9C79-44AC43C84A8B}"/>
-              </a:ext>
-            </a:extLst>
-          </p:cNvPr>
-          <p:cNvSpPr>
-            <a:spLocks noGrp="1"/>
-          </p:cNvSpPr>
-          <p:nvPr>
-            <p:ph idx="1"/>
-          </p:nvPr>
-        </p:nvSpPr>
-        <p:spPr/>
-        <p:txBody>
-          <a:bodyPr/>
-          <a:lstStyle/>
-          <a:p>
-            <a:endParaRPr lang="ko-KR" altLang="en-US"/>
-          </a:p>
-        </p:txBody>
-      </p:sp>
-    </p:spTree>
-    <p:extLst>
-      <p:ext uri="{BB962C8B-B14F-4D97-AF65-F5344CB8AC3E}">
-        <p14:creationId xmlns:p14="http://schemas.microsoft.com/office/powerpoint/2010/main" val="3938058115"/>
       </p:ext>
     </p:extLst>
   </p:cSld>

--- a/1126Report/1126Report.pptx
+++ b/1126Report/1126Report.pptx
@@ -215,7 +215,7 @@
           <a:p>
             <a:fld id="{265A5232-C53E-4F47-9B1D-10DC02294D1A}" type="datetimeFigureOut">
               <a:rPr lang="en-US" smtClean="0"/>
-              <a:t>11/27/2023</a:t>
+              <a:t>12/2/2023</a:t>
             </a:fld>
             <a:endParaRPr lang="en-US"/>
           </a:p>
@@ -465,7 +465,7 @@
           <a:p>
             <a:fld id="{F0AD61EE-A626-44D1-8BBF-C441989EBD45}" type="datetimeFigureOut">
               <a:rPr lang="ko-KR" altLang="en-US" smtClean="0"/>
-              <a:t>2023-11-27</a:t>
+              <a:t>2023-12-02</a:t>
             </a:fld>
             <a:endParaRPr lang="ko-KR" altLang="en-US"/>
           </a:p>
@@ -663,7 +663,7 @@
           <a:p>
             <a:fld id="{F0AD61EE-A626-44D1-8BBF-C441989EBD45}" type="datetimeFigureOut">
               <a:rPr lang="ko-KR" altLang="en-US" smtClean="0"/>
-              <a:t>2023-11-27</a:t>
+              <a:t>2023-12-02</a:t>
             </a:fld>
             <a:endParaRPr lang="ko-KR" altLang="en-US"/>
           </a:p>
@@ -871,7 +871,7 @@
           <a:p>
             <a:fld id="{F0AD61EE-A626-44D1-8BBF-C441989EBD45}" type="datetimeFigureOut">
               <a:rPr lang="ko-KR" altLang="en-US" smtClean="0"/>
-              <a:t>2023-11-27</a:t>
+              <a:t>2023-12-02</a:t>
             </a:fld>
             <a:endParaRPr lang="ko-KR" altLang="en-US"/>
           </a:p>
@@ -1113,7 +1113,7 @@
           <a:p>
             <a:fld id="{F0AD61EE-A626-44D1-8BBF-C441989EBD45}" type="datetimeFigureOut">
               <a:rPr lang="ko-KR" altLang="en-US" smtClean="0"/>
-              <a:t>2023-11-27</a:t>
+              <a:t>2023-12-02</a:t>
             </a:fld>
             <a:endParaRPr lang="ko-KR" altLang="en-US"/>
           </a:p>
@@ -1429,7 +1429,7 @@
           <a:p>
             <a:fld id="{F0AD61EE-A626-44D1-8BBF-C441989EBD45}" type="datetimeFigureOut">
               <a:rPr lang="ko-KR" altLang="en-US" smtClean="0"/>
-              <a:t>2023-11-27</a:t>
+              <a:t>2023-12-02</a:t>
             </a:fld>
             <a:endParaRPr lang="ko-KR" altLang="en-US"/>
           </a:p>
@@ -1735,7 +1735,7 @@
           <a:p>
             <a:fld id="{F0AD61EE-A626-44D1-8BBF-C441989EBD45}" type="datetimeFigureOut">
               <a:rPr lang="ko-KR" altLang="en-US" smtClean="0"/>
-              <a:t>2023-11-27</a:t>
+              <a:t>2023-12-02</a:t>
             </a:fld>
             <a:endParaRPr lang="ko-KR" altLang="en-US"/>
           </a:p>
@@ -2147,7 +2147,7 @@
           <a:p>
             <a:fld id="{F0AD61EE-A626-44D1-8BBF-C441989EBD45}" type="datetimeFigureOut">
               <a:rPr lang="ko-KR" altLang="en-US" smtClean="0"/>
-              <a:t>2023-11-27</a:t>
+              <a:t>2023-12-02</a:t>
             </a:fld>
             <a:endParaRPr lang="ko-KR" altLang="en-US"/>
           </a:p>
@@ -2288,7 +2288,7 @@
           <a:p>
             <a:fld id="{F0AD61EE-A626-44D1-8BBF-C441989EBD45}" type="datetimeFigureOut">
               <a:rPr lang="ko-KR" altLang="en-US" smtClean="0"/>
-              <a:t>2023-11-27</a:t>
+              <a:t>2023-12-02</a:t>
             </a:fld>
             <a:endParaRPr lang="ko-KR" altLang="en-US"/>
           </a:p>
@@ -2401,7 +2401,7 @@
           <a:p>
             <a:fld id="{F0AD61EE-A626-44D1-8BBF-C441989EBD45}" type="datetimeFigureOut">
               <a:rPr lang="ko-KR" altLang="en-US" smtClean="0"/>
-              <a:t>2023-11-27</a:t>
+              <a:t>2023-12-02</a:t>
             </a:fld>
             <a:endParaRPr lang="ko-KR" altLang="en-US"/>
           </a:p>
@@ -2712,7 +2712,7 @@
           <a:p>
             <a:fld id="{F0AD61EE-A626-44D1-8BBF-C441989EBD45}" type="datetimeFigureOut">
               <a:rPr lang="ko-KR" altLang="en-US" smtClean="0"/>
-              <a:t>2023-11-27</a:t>
+              <a:t>2023-12-02</a:t>
             </a:fld>
             <a:endParaRPr lang="ko-KR" altLang="en-US"/>
           </a:p>
@@ -3000,7 +3000,7 @@
           <a:p>
             <a:fld id="{F0AD61EE-A626-44D1-8BBF-C441989EBD45}" type="datetimeFigureOut">
               <a:rPr lang="ko-KR" altLang="en-US" smtClean="0"/>
-              <a:t>2023-11-27</a:t>
+              <a:t>2023-12-02</a:t>
             </a:fld>
             <a:endParaRPr lang="ko-KR" altLang="en-US"/>
           </a:p>
@@ -3241,7 +3241,7 @@
           <a:p>
             <a:fld id="{F0AD61EE-A626-44D1-8BBF-C441989EBD45}" type="datetimeFigureOut">
               <a:rPr lang="ko-KR" altLang="en-US" smtClean="0"/>
-              <a:t>2023-11-27</a:t>
+              <a:t>2023-12-02</a:t>
             </a:fld>
             <a:endParaRPr lang="ko-KR" altLang="en-US"/>
           </a:p>
@@ -3829,11 +3829,19 @@
             </a:pPr>
             <a:r>
               <a:rPr lang="en-US" sz="1200" dirty="0"/>
-              <a:t> - </a:t>
+              <a:t>-SAC</a:t>
             </a:r>
             <a:r>
               <a:rPr lang="ko-KR" altLang="en-US" sz="1200" dirty="0"/>
-              <a:t>리플레이 버퍼에 데이터를 </a:t>
+              <a:t>의 리플레이 버퍼에</a:t>
+            </a:r>
+            <a:r>
+              <a:rPr lang="en-US" altLang="ko-KR" sz="1200" dirty="0"/>
+              <a:t> expert data</a:t>
+            </a:r>
+            <a:r>
+              <a:rPr lang="ko-KR" altLang="en-US" sz="1200" dirty="0"/>
+              <a:t>를 </a:t>
             </a:r>
             <a:r>
               <a:rPr lang="ko-KR" altLang="en-US" sz="1200" dirty="0" err="1"/>
@@ -3843,6 +3851,62 @@
               <a:rPr lang="en-US" altLang="ko-KR" sz="1200" dirty="0"/>
               <a:t>.</a:t>
             </a:r>
+            <a:endParaRPr lang="en-US" sz="1200" dirty="0"/>
+          </a:p>
+          <a:p>
+            <a:pPr marL="0" indent="0">
+              <a:buNone/>
+            </a:pPr>
+            <a:r>
+              <a:rPr lang="en-US" sz="1200" dirty="0"/>
+              <a:t>- SAC</a:t>
+            </a:r>
+            <a:r>
+              <a:rPr lang="ko-KR" altLang="en-US" sz="1200" dirty="0"/>
+              <a:t>의 </a:t>
+            </a:r>
+            <a:r>
+              <a:rPr lang="ko-KR" altLang="en-US" sz="1200" dirty="0" err="1"/>
+              <a:t>상위클래스인</a:t>
+            </a:r>
+            <a:r>
+              <a:rPr lang="ko-KR" altLang="en-US" sz="1200" dirty="0"/>
+              <a:t> </a:t>
+            </a:r>
+            <a:r>
+              <a:rPr lang="en-US" altLang="ko-KR" sz="1200" dirty="0" err="1"/>
+              <a:t>OffPolicyAlgorithm</a:t>
+            </a:r>
+            <a:r>
+              <a:rPr lang="ko-KR" altLang="en-US" sz="1200" dirty="0"/>
+              <a:t>에서 </a:t>
+            </a:r>
+            <a:r>
+              <a:rPr lang="en-US" altLang="ko-KR" sz="1200" dirty="0" err="1"/>
+              <a:t>pretrain_steps</a:t>
+            </a:r>
+            <a:r>
+              <a:rPr lang="ko-KR" altLang="en-US" sz="1200" dirty="0"/>
+              <a:t>만큼</a:t>
+            </a:r>
+            <a:endParaRPr lang="en-US" altLang="ko-KR" sz="1200" dirty="0"/>
+          </a:p>
+          <a:p>
+            <a:pPr marL="0" indent="0">
+              <a:buNone/>
+            </a:pPr>
+            <a:r>
+              <a:rPr lang="ko-KR" altLang="en-US" sz="1200" dirty="0"/>
+              <a:t>리플레이 버퍼를 이용해 강제로 학습을 </a:t>
+            </a:r>
+            <a:r>
+              <a:rPr lang="ko-KR" altLang="en-US" sz="1200" dirty="0" err="1"/>
+              <a:t>시켜줌</a:t>
+            </a:r>
+            <a:r>
+              <a:rPr lang="en-US" altLang="ko-KR" sz="1200" dirty="0"/>
+              <a:t>.</a:t>
+            </a:r>
           </a:p>
           <a:p>
             <a:pPr marL="0" indent="0">
@@ -3898,10 +3962,10 @@
       </p:sp>
       <p:pic>
         <p:nvPicPr>
-          <p:cNvPr id="5" name="그림 4">
-            <a:extLst>
-              <a:ext uri="{FF2B5EF4-FFF2-40B4-BE49-F238E27FC236}">
-                <a16:creationId xmlns:a16="http://schemas.microsoft.com/office/drawing/2014/main" id="{F4DC070E-1C28-D91C-A61F-EB0467FAE5DD}"/>
+          <p:cNvPr id="6" name="그림 5">
+            <a:extLst>
+              <a:ext uri="{FF2B5EF4-FFF2-40B4-BE49-F238E27FC236}">
+                <a16:creationId xmlns:a16="http://schemas.microsoft.com/office/drawing/2014/main" id="{A9168936-0F1F-C746-8216-062E7536C7AF}"/>
               </a:ext>
             </a:extLst>
           </p:cNvPr>
@@ -3918,8 +3982,8 @@
         </p:blipFill>
         <p:spPr>
           <a:xfrm>
-            <a:off x="3564907" y="3090432"/>
-            <a:ext cx="7725853" cy="3086531"/>
+            <a:off x="5551714" y="1648511"/>
+            <a:ext cx="5742152" cy="5161987"/>
           </a:xfrm>
           <a:prstGeom prst="rect">
             <a:avLst/>
@@ -4012,13 +4076,61 @@
           <a:p>
             <a:r>
               <a:rPr lang="ko-KR" altLang="en-US" sz="1400" dirty="0"/>
-              <a:t>아래</a:t>
+              <a:t>아래가</a:t>
             </a:r>
             <a:r>
               <a:rPr lang="en-US" altLang="ko-KR" sz="1400" dirty="0"/>
-              <a:t>: pre-training</a:t>
-            </a:r>
-            <a:endParaRPr lang="ko-KR" altLang="en-US" sz="1400" dirty="0"/>
+              <a:t> pre-training</a:t>
+            </a:r>
+          </a:p>
+          <a:p>
+            <a:pPr lvl="1"/>
+            <a:r>
+              <a:rPr lang="en-US" altLang="ko-KR" sz="1200" dirty="0"/>
+              <a:t>(1.8M </a:t>
+            </a:r>
+            <a:r>
+              <a:rPr lang="ko-KR" altLang="en-US" sz="1200" dirty="0"/>
+              <a:t>진행중</a:t>
+            </a:r>
+            <a:r>
+              <a:rPr lang="en-US" altLang="ko-KR" sz="1200" dirty="0"/>
+              <a:t>)</a:t>
+            </a:r>
+          </a:p>
+          <a:p>
+            <a:pPr lvl="1"/>
+            <a:r>
+              <a:rPr lang="en-US" altLang="ko-KR" sz="1200" dirty="0"/>
+              <a:t>100K PRETRAINING: </a:t>
+            </a:r>
+            <a:r>
+              <a:rPr lang="ko-KR" altLang="en-US" sz="1200" dirty="0"/>
+              <a:t>시작점이 </a:t>
+            </a:r>
+            <a:r>
+              <a:rPr lang="en-US" altLang="ko-KR" sz="1200" dirty="0"/>
+              <a:t>0</a:t>
+            </a:r>
+            <a:r>
+              <a:rPr lang="ko-KR" altLang="en-US" sz="1200" dirty="0"/>
+              <a:t>이 아닌 것을</a:t>
+            </a:r>
+            <a:endParaRPr lang="en-US" altLang="ko-KR" sz="1200" dirty="0"/>
+          </a:p>
+          <a:p>
+            <a:pPr marL="457200" lvl="1" indent="0">
+              <a:buNone/>
+            </a:pPr>
+            <a:r>
+              <a:rPr lang="en-US" altLang="ko-KR" sz="1200" dirty="0"/>
+              <a:t>		        </a:t>
+            </a:r>
+            <a:r>
+              <a:rPr lang="ko-KR" altLang="en-US" sz="1200" dirty="0"/>
+              <a:t>볼 수 있음</a:t>
+            </a:r>
+            <a:endParaRPr lang="en-US" altLang="ko-KR" sz="1200" dirty="0"/>
           </a:p>
         </p:txBody>
       </p:sp>
@@ -4059,10 +4171,10 @@
       </p:pic>
       <p:pic>
         <p:nvPicPr>
-          <p:cNvPr id="9" name="그림 8">
-            <a:extLst>
-              <a:ext uri="{FF2B5EF4-FFF2-40B4-BE49-F238E27FC236}">
-                <a16:creationId xmlns:a16="http://schemas.microsoft.com/office/drawing/2014/main" id="{9F5AB4B5-DD7A-42A8-E121-E46B95AB30C0}"/>
+          <p:cNvPr id="7" name="그림 6">
+            <a:extLst>
+              <a:ext uri="{FF2B5EF4-FFF2-40B4-BE49-F238E27FC236}">
+                <a16:creationId xmlns:a16="http://schemas.microsoft.com/office/drawing/2014/main" id="{597DCB5E-4E2A-599E-5E58-9C2C295E15E5}"/>
               </a:ext>
             </a:extLst>
           </p:cNvPr>
@@ -4079,8 +4191,8 @@
         </p:blipFill>
         <p:spPr>
           <a:xfrm>
-            <a:off x="4643252" y="4198322"/>
-            <a:ext cx="7002483" cy="2246258"/>
+            <a:off x="4643252" y="4237745"/>
+            <a:ext cx="5795159" cy="2074155"/>
           </a:xfrm>
           <a:prstGeom prst="rect">
             <a:avLst/>
@@ -4212,7 +4324,7 @@
         </p:blipFill>
         <p:spPr>
           <a:xfrm>
-            <a:off x="4248480" y="1774755"/>
+            <a:off x="4248480" y="1557478"/>
             <a:ext cx="7525160" cy="2393399"/>
           </a:xfrm>
           <a:prstGeom prst="rect">
@@ -4227,10 +4339,10 @@
       </p:pic>
       <p:pic>
         <p:nvPicPr>
-          <p:cNvPr id="11" name="그림 10">
-            <a:extLst>
-              <a:ext uri="{FF2B5EF4-FFF2-40B4-BE49-F238E27FC236}">
-                <a16:creationId xmlns:a16="http://schemas.microsoft.com/office/drawing/2014/main" id="{A58541E8-BA37-54BD-689D-7C0375BA1FDF}"/>
+          <p:cNvPr id="6" name="그림 5">
+            <a:extLst>
+              <a:ext uri="{FF2B5EF4-FFF2-40B4-BE49-F238E27FC236}">
+                <a16:creationId xmlns:a16="http://schemas.microsoft.com/office/drawing/2014/main" id="{D5E4670D-01DB-41D5-3DA8-54343AE0AFCE}"/>
               </a:ext>
             </a:extLst>
           </p:cNvPr>
@@ -4247,8 +4359,8 @@
         </p:blipFill>
         <p:spPr>
           <a:xfrm>
-            <a:off x="4248480" y="4251365"/>
-            <a:ext cx="7525160" cy="2369127"/>
+            <a:off x="4248479" y="4001294"/>
+            <a:ext cx="7525161" cy="2668642"/>
           </a:xfrm>
           <a:prstGeom prst="rect">
             <a:avLst/>
